--- a/2017-04-10 Denver DevOpsDays/DevOpsDays Denver 16x9.pptx
+++ b/2017-04-10 Denver DevOpsDays/DevOpsDays Denver 16x9.pptx
@@ -216,7 +216,7 @@
           <a:p>
             <a:fld id="{DC4B2F52-281A-2C48-B894-DD086BEDDED9}" type="datetimeFigureOut">
               <a:rPr lang="en-US" smtClean="0"/>
-              <a:t>4/7/17</a:t>
+              <a:t>4/11/17</a:t>
             </a:fld>
             <a:endParaRPr lang="en-US"/>
           </a:p>
@@ -2339,6 +2339,14 @@
   <p:clrMapOvr>
     <a:masterClrMapping/>
   </p:clrMapOvr>
+  <mc:AlternateContent xmlns:mc="http://schemas.openxmlformats.org/markup-compatibility/2006">
+    <mc:Choice xmlns:p14="http://schemas.microsoft.com/office/powerpoint/2010/main" Requires="p14">
+      <p:transition p14:dur="10" advTm="14900"/>
+    </mc:Choice>
+    <mc:Fallback>
+      <p:transition advTm="14900"/>
+    </mc:Fallback>
+  </mc:AlternateContent>
 </p:sldLayout>
 </file>
 
@@ -2495,12 +2503,12 @@
   <p:clrMapOvr>
     <a:masterClrMapping/>
   </p:clrMapOvr>
-  <mc:AlternateContent xmlns:mc="http://schemas.openxmlformats.org/markup-compatibility/2006" xmlns:p14="http://schemas.microsoft.com/office/powerpoint/2010/main">
-    <mc:Choice Requires="p14">
-      <p:transition p14:dur="10" advTm="14000"/>
+  <mc:AlternateContent xmlns:mc="http://schemas.openxmlformats.org/markup-compatibility/2006">
+    <mc:Choice xmlns:p14="http://schemas.microsoft.com/office/powerpoint/2010/main" Requires="p14">
+      <p:transition p14:dur="10" advTm="14900"/>
     </mc:Choice>
-    <mc:Fallback xmlns="">
-      <p:transition advTm="14000"/>
+    <mc:Fallback>
+      <p:transition advTm="14900"/>
     </mc:Fallback>
   </mc:AlternateContent>
   <p:timing>
@@ -2667,6 +2675,14 @@
     <p:sldLayoutId id="2147483661" r:id="rId1"/>
     <p:sldLayoutId id="2147483662" r:id="rId2"/>
   </p:sldLayoutIdLst>
+  <mc:AlternateContent xmlns:mc="http://schemas.openxmlformats.org/markup-compatibility/2006">
+    <mc:Choice xmlns:p14="http://schemas.microsoft.com/office/powerpoint/2010/main" Requires="p14">
+      <p:transition p14:dur="10" advTm="14900"/>
+    </mc:Choice>
+    <mc:Fallback>
+      <p:transition advTm="14900"/>
+    </mc:Fallback>
+  </mc:AlternateContent>
   <p:txStyles>
     <p:titleStyle>
       <a:lvl1pPr algn="l" defTabSz="685800" rtl="0" eaLnBrk="1" latinLnBrk="0" hangingPunct="1">
@@ -3030,12 +3046,12 @@
   <p:clrMapOvr>
     <a:masterClrMapping/>
   </p:clrMapOvr>
-  <mc:AlternateContent xmlns:mc="http://schemas.openxmlformats.org/markup-compatibility/2006" xmlns:p14="http://schemas.microsoft.com/office/powerpoint/2010/main">
-    <mc:Choice Requires="p14">
-      <p:transition p14:dur="10" advTm="14000"/>
+  <mc:AlternateContent xmlns:mc="http://schemas.openxmlformats.org/markup-compatibility/2006">
+    <mc:Choice xmlns:p14="http://schemas.microsoft.com/office/powerpoint/2010/main" Requires="p14">
+      <p:transition p14:dur="10" advTm="14900"/>
     </mc:Choice>
-    <mc:Fallback xmlns="">
-      <p:transition advTm="14000"/>
+    <mc:Fallback>
+      <p:transition advTm="14900"/>
     </mc:Fallback>
   </mc:AlternateContent>
   <p:timing>
@@ -3181,12 +3197,12 @@
   <p:clrMapOvr>
     <a:masterClrMapping/>
   </p:clrMapOvr>
-  <mc:AlternateContent xmlns:mc="http://schemas.openxmlformats.org/markup-compatibility/2006" xmlns:p14="http://schemas.microsoft.com/office/powerpoint/2010/main">
-    <mc:Choice Requires="p14">
-      <p:transition p14:dur="10" advTm="14000"/>
+  <mc:AlternateContent xmlns:mc="http://schemas.openxmlformats.org/markup-compatibility/2006">
+    <mc:Choice xmlns:p14="http://schemas.microsoft.com/office/powerpoint/2010/main" Requires="p14">
+      <p:transition p14:dur="10" advTm="14900"/>
     </mc:Choice>
-    <mc:Fallback xmlns="">
-      <p:transition advTm="14000"/>
+    <mc:Fallback>
+      <p:transition advTm="14900"/>
     </mc:Fallback>
   </mc:AlternateContent>
   <p:timing>
@@ -3361,12 +3377,12 @@
   <p:clrMapOvr>
     <a:masterClrMapping/>
   </p:clrMapOvr>
-  <mc:AlternateContent xmlns:mc="http://schemas.openxmlformats.org/markup-compatibility/2006" xmlns:p14="http://schemas.microsoft.com/office/powerpoint/2010/main">
-    <mc:Choice Requires="p14">
-      <p:transition p14:dur="10" advTm="14000"/>
+  <mc:AlternateContent xmlns:mc="http://schemas.openxmlformats.org/markup-compatibility/2006">
+    <mc:Choice xmlns:p14="http://schemas.microsoft.com/office/powerpoint/2010/main" Requires="p14">
+      <p:transition p14:dur="10" advTm="14900"/>
     </mc:Choice>
-    <mc:Fallback xmlns="">
-      <p:transition advTm="14000"/>
+    <mc:Fallback>
+      <p:transition advTm="14900"/>
     </mc:Fallback>
   </mc:AlternateContent>
   <p:timing>
@@ -3541,12 +3557,12 @@
   <p:clrMapOvr>
     <a:masterClrMapping/>
   </p:clrMapOvr>
-  <mc:AlternateContent xmlns:mc="http://schemas.openxmlformats.org/markup-compatibility/2006" xmlns:p14="http://schemas.microsoft.com/office/powerpoint/2010/main">
-    <mc:Choice Requires="p14">
-      <p:transition p14:dur="10" advTm="14000"/>
+  <mc:AlternateContent xmlns:mc="http://schemas.openxmlformats.org/markup-compatibility/2006">
+    <mc:Choice xmlns:p14="http://schemas.microsoft.com/office/powerpoint/2010/main" Requires="p14">
+      <p:transition p14:dur="10" advTm="14900"/>
     </mc:Choice>
-    <mc:Fallback xmlns="">
-      <p:transition advTm="14000"/>
+    <mc:Fallback>
+      <p:transition advTm="14900"/>
     </mc:Fallback>
   </mc:AlternateContent>
   <p:timing>
@@ -3721,12 +3737,12 @@
   <p:clrMapOvr>
     <a:masterClrMapping/>
   </p:clrMapOvr>
-  <mc:AlternateContent xmlns:mc="http://schemas.openxmlformats.org/markup-compatibility/2006" xmlns:p14="http://schemas.microsoft.com/office/powerpoint/2010/main">
-    <mc:Choice Requires="p14">
-      <p:transition p14:dur="10" advTm="14000"/>
+  <mc:AlternateContent xmlns:mc="http://schemas.openxmlformats.org/markup-compatibility/2006">
+    <mc:Choice xmlns:p14="http://schemas.microsoft.com/office/powerpoint/2010/main" Requires="p14">
+      <p:transition p14:dur="10" advTm="14900"/>
     </mc:Choice>
-    <mc:Fallback xmlns="">
-      <p:transition advTm="14000"/>
+    <mc:Fallback>
+      <p:transition advTm="14900"/>
     </mc:Fallback>
   </mc:AlternateContent>
   <p:timing>
@@ -3901,12 +3917,12 @@
   <p:clrMapOvr>
     <a:masterClrMapping/>
   </p:clrMapOvr>
-  <mc:AlternateContent xmlns:mc="http://schemas.openxmlformats.org/markup-compatibility/2006" xmlns:p14="http://schemas.microsoft.com/office/powerpoint/2010/main">
-    <mc:Choice Requires="p14">
-      <p:transition p14:dur="10" advTm="14000"/>
+  <mc:AlternateContent xmlns:mc="http://schemas.openxmlformats.org/markup-compatibility/2006">
+    <mc:Choice xmlns:p14="http://schemas.microsoft.com/office/powerpoint/2010/main" Requires="p14">
+      <p:transition p14:dur="10" advTm="14900"/>
     </mc:Choice>
-    <mc:Fallback xmlns="">
-      <p:transition advTm="14000"/>
+    <mc:Fallback>
+      <p:transition advTm="14900"/>
     </mc:Fallback>
   </mc:AlternateContent>
   <p:timing>
@@ -4081,12 +4097,12 @@
   <p:clrMapOvr>
     <a:masterClrMapping/>
   </p:clrMapOvr>
-  <mc:AlternateContent xmlns:mc="http://schemas.openxmlformats.org/markup-compatibility/2006" xmlns:p14="http://schemas.microsoft.com/office/powerpoint/2010/main">
-    <mc:Choice Requires="p14">
-      <p:transition p14:dur="10" advTm="14000"/>
+  <mc:AlternateContent xmlns:mc="http://schemas.openxmlformats.org/markup-compatibility/2006">
+    <mc:Choice xmlns:p14="http://schemas.microsoft.com/office/powerpoint/2010/main" Requires="p14">
+      <p:transition p14:dur="10" advTm="14900"/>
     </mc:Choice>
-    <mc:Fallback xmlns="">
-      <p:transition advTm="14000"/>
+    <mc:Fallback>
+      <p:transition advTm="14900"/>
     </mc:Fallback>
   </mc:AlternateContent>
   <p:timing>
@@ -4261,12 +4277,12 @@
   <p:clrMapOvr>
     <a:masterClrMapping/>
   </p:clrMapOvr>
-  <mc:AlternateContent xmlns:mc="http://schemas.openxmlformats.org/markup-compatibility/2006" xmlns:p14="http://schemas.microsoft.com/office/powerpoint/2010/main">
-    <mc:Choice Requires="p14">
-      <p:transition p14:dur="10" advTm="14000"/>
+  <mc:AlternateContent xmlns:mc="http://schemas.openxmlformats.org/markup-compatibility/2006">
+    <mc:Choice xmlns:p14="http://schemas.microsoft.com/office/powerpoint/2010/main" Requires="p14">
+      <p:transition p14:dur="10" advTm="14900"/>
     </mc:Choice>
-    <mc:Fallback xmlns="">
-      <p:transition advTm="14000"/>
+    <mc:Fallback>
+      <p:transition advTm="14900"/>
     </mc:Fallback>
   </mc:AlternateContent>
   <p:timing>
@@ -4441,12 +4457,12 @@
   <p:clrMapOvr>
     <a:masterClrMapping/>
   </p:clrMapOvr>
-  <mc:AlternateContent xmlns:mc="http://schemas.openxmlformats.org/markup-compatibility/2006" xmlns:p14="http://schemas.microsoft.com/office/powerpoint/2010/main">
-    <mc:Choice Requires="p14">
-      <p:transition p14:dur="10" advTm="14000"/>
+  <mc:AlternateContent xmlns:mc="http://schemas.openxmlformats.org/markup-compatibility/2006">
+    <mc:Choice xmlns:p14="http://schemas.microsoft.com/office/powerpoint/2010/main" Requires="p14">
+      <p:transition p14:dur="10" advTm="14900"/>
     </mc:Choice>
-    <mc:Fallback xmlns="">
-      <p:transition advTm="14000"/>
+    <mc:Fallback>
+      <p:transition advTm="14900"/>
     </mc:Fallback>
   </mc:AlternateContent>
   <p:timing>
@@ -4602,12 +4618,12 @@
   <p:clrMapOvr>
     <a:masterClrMapping/>
   </p:clrMapOvr>
-  <mc:AlternateContent xmlns:mc="http://schemas.openxmlformats.org/markup-compatibility/2006" xmlns:p14="http://schemas.microsoft.com/office/powerpoint/2010/main">
-    <mc:Choice Requires="p14">
-      <p:transition p14:dur="10" advTm="14000"/>
+  <mc:AlternateContent xmlns:mc="http://schemas.openxmlformats.org/markup-compatibility/2006">
+    <mc:Choice xmlns:p14="http://schemas.microsoft.com/office/powerpoint/2010/main" Requires="p14">
+      <p:transition p14:dur="10" advTm="14900"/>
     </mc:Choice>
-    <mc:Fallback xmlns="">
-      <p:transition advTm="14000"/>
+    <mc:Fallback>
+      <p:transition advTm="14900"/>
     </mc:Fallback>
   </mc:AlternateContent>
   <p:timing>
@@ -4763,12 +4779,12 @@
   <p:clrMapOvr>
     <a:masterClrMapping/>
   </p:clrMapOvr>
-  <mc:AlternateContent xmlns:mc="http://schemas.openxmlformats.org/markup-compatibility/2006" xmlns:p14="http://schemas.microsoft.com/office/powerpoint/2010/main">
-    <mc:Choice Requires="p14">
-      <p:transition p14:dur="10" advTm="14000"/>
+  <mc:AlternateContent xmlns:mc="http://schemas.openxmlformats.org/markup-compatibility/2006">
+    <mc:Choice xmlns:p14="http://schemas.microsoft.com/office/powerpoint/2010/main" Requires="p14">
+      <p:transition p14:dur="10" advTm="14900"/>
     </mc:Choice>
-    <mc:Fallback xmlns="">
-      <p:transition advTm="14000"/>
+    <mc:Fallback>
+      <p:transition advTm="14900"/>
     </mc:Fallback>
   </mc:AlternateContent>
   <p:timing>
@@ -4939,12 +4955,12 @@
   <p:clrMapOvr>
     <a:masterClrMapping/>
   </p:clrMapOvr>
-  <mc:AlternateContent xmlns:mc="http://schemas.openxmlformats.org/markup-compatibility/2006" xmlns:p14="http://schemas.microsoft.com/office/powerpoint/2010/main">
-    <mc:Choice Requires="p14">
-      <p:transition p14:dur="10" advTm="14000"/>
+  <mc:AlternateContent xmlns:mc="http://schemas.openxmlformats.org/markup-compatibility/2006">
+    <mc:Choice xmlns:p14="http://schemas.microsoft.com/office/powerpoint/2010/main" Requires="p14">
+      <p:transition p14:dur="10" advTm="14900"/>
     </mc:Choice>
-    <mc:Fallback xmlns="">
-      <p:transition advTm="14000"/>
+    <mc:Fallback>
+      <p:transition advTm="14900"/>
     </mc:Fallback>
   </mc:AlternateContent>
   <p:timing>
@@ -5022,7 +5038,11 @@
           <a:p>
             <a:r>
               <a:rPr lang="is-IS" sz="4051" dirty="0"/>
-              <a:t>… adhoc collaboration</a:t>
+              <a:t>… </a:t>
+            </a:r>
+            <a:r>
+              <a:rPr lang="is-IS" sz="4051" dirty="0" smtClean="0"/>
+              <a:t>CALMS</a:t>
             </a:r>
             <a:endParaRPr lang="en-US" sz="4051" dirty="0"/>
           </a:p>
@@ -5100,12 +5120,12 @@
   <p:clrMapOvr>
     <a:masterClrMapping/>
   </p:clrMapOvr>
-  <mc:AlternateContent xmlns:mc="http://schemas.openxmlformats.org/markup-compatibility/2006" xmlns:p14="http://schemas.microsoft.com/office/powerpoint/2010/main">
-    <mc:Choice Requires="p14">
-      <p:transition p14:dur="10" advTm="14000"/>
+  <mc:AlternateContent xmlns:mc="http://schemas.openxmlformats.org/markup-compatibility/2006">
+    <mc:Choice xmlns:p14="http://schemas.microsoft.com/office/powerpoint/2010/main" Requires="p14">
+      <p:transition p14:dur="10" advTm="14900"/>
     </mc:Choice>
-    <mc:Fallback xmlns="">
-      <p:transition advTm="14000"/>
+    <mc:Fallback>
+      <p:transition advTm="14900"/>
     </mc:Fallback>
   </mc:AlternateContent>
   <p:timing>
@@ -5242,12 +5262,12 @@
   <p:clrMapOvr>
     <a:masterClrMapping/>
   </p:clrMapOvr>
-  <mc:AlternateContent xmlns:mc="http://schemas.openxmlformats.org/markup-compatibility/2006" xmlns:p14="http://schemas.microsoft.com/office/powerpoint/2010/main">
-    <mc:Choice Requires="p14">
-      <p:transition p14:dur="10" advTm="14000"/>
+  <mc:AlternateContent xmlns:mc="http://schemas.openxmlformats.org/markup-compatibility/2006">
+    <mc:Choice xmlns:p14="http://schemas.microsoft.com/office/powerpoint/2010/main" Requires="p14">
+      <p:transition p14:dur="10" advTm="14900"/>
     </mc:Choice>
-    <mc:Fallback xmlns="">
-      <p:transition advTm="14000"/>
+    <mc:Fallback>
+      <p:transition advTm="14900"/>
     </mc:Fallback>
   </mc:AlternateContent>
   <p:timing>
@@ -5323,7 +5343,7 @@
         </p:blipFill>
         <p:spPr>
           <a:xfrm>
-            <a:off x="5464975" y="386770"/>
+            <a:off x="3015689" y="468735"/>
             <a:ext cx="3050381" cy="4067175"/>
           </a:xfrm>
           <a:prstGeom prst="rect">
@@ -5331,35 +5351,6 @@
           </a:prstGeom>
         </p:spPr>
       </p:pic>
-      <p:sp>
-        <p:nvSpPr>
-          <p:cNvPr id="6" name="Title 1"/>
-          <p:cNvSpPr>
-            <a:spLocks noGrp="1"/>
-          </p:cNvSpPr>
-          <p:nvPr>
-            <p:ph type="title"/>
-          </p:nvPr>
-        </p:nvSpPr>
-        <p:spPr>
-          <a:xfrm>
-            <a:off x="114300" y="127790"/>
-            <a:ext cx="5257800" cy="4067175"/>
-          </a:xfrm>
-        </p:spPr>
-        <p:txBody>
-          <a:bodyPr>
-            <a:noAutofit/>
-          </a:bodyPr>
-          <a:lstStyle/>
-          <a:p>
-            <a:r>
-              <a:rPr lang="en-US" sz="3600" dirty="0"/>
-              <a:t>Storage migration in progress with ChatOps monitoring</a:t>
-            </a:r>
-          </a:p>
-        </p:txBody>
-      </p:sp>
       <p:sp>
         <p:nvSpPr>
           <p:cNvPr id="7" name="Title 1"/>
@@ -5425,12 +5416,12 @@
   <p:clrMapOvr>
     <a:masterClrMapping/>
   </p:clrMapOvr>
-  <mc:AlternateContent xmlns:mc="http://schemas.openxmlformats.org/markup-compatibility/2006" xmlns:p14="http://schemas.microsoft.com/office/powerpoint/2010/main">
-    <mc:Choice Requires="p14">
-      <p:transition p14:dur="10" advTm="14000"/>
+  <mc:AlternateContent xmlns:mc="http://schemas.openxmlformats.org/markup-compatibility/2006">
+    <mc:Choice xmlns:p14="http://schemas.microsoft.com/office/powerpoint/2010/main" Requires="p14">
+      <p:transition p14:dur="10" advTm="14900"/>
     </mc:Choice>
-    <mc:Fallback xmlns="">
-      <p:transition advTm="14000"/>
+    <mc:Fallback>
+      <p:transition advTm="14900"/>
     </mc:Fallback>
   </mc:AlternateContent>
   <p:timing>
@@ -5564,12 +5555,12 @@
   <p:clrMapOvr>
     <a:masterClrMapping/>
   </p:clrMapOvr>
-  <mc:AlternateContent xmlns:mc="http://schemas.openxmlformats.org/markup-compatibility/2006" xmlns:p14="http://schemas.microsoft.com/office/powerpoint/2010/main">
-    <mc:Choice Requires="p14">
-      <p:transition p14:dur="10" advTm="14000"/>
+  <mc:AlternateContent xmlns:mc="http://schemas.openxmlformats.org/markup-compatibility/2006">
+    <mc:Choice xmlns:p14="http://schemas.microsoft.com/office/powerpoint/2010/main" Requires="p14">
+      <p:transition p14:dur="10" advTm="14900"/>
     </mc:Choice>
-    <mc:Fallback xmlns="">
-      <p:transition advTm="14000"/>
+    <mc:Fallback>
+      <p:transition advTm="14900"/>
     </mc:Fallback>
   </mc:AlternateContent>
   <p:timing>
@@ -5721,12 +5712,12 @@
   <p:clrMapOvr>
     <a:masterClrMapping/>
   </p:clrMapOvr>
-  <mc:AlternateContent xmlns:mc="http://schemas.openxmlformats.org/markup-compatibility/2006" xmlns:p14="http://schemas.microsoft.com/office/powerpoint/2010/main">
-    <mc:Choice Requires="p14">
-      <p:transition p14:dur="10" advTm="14000"/>
+  <mc:AlternateContent xmlns:mc="http://schemas.openxmlformats.org/markup-compatibility/2006">
+    <mc:Choice xmlns:p14="http://schemas.microsoft.com/office/powerpoint/2010/main" Requires="p14">
+      <p:transition p14:dur="10" advTm="14900"/>
     </mc:Choice>
-    <mc:Fallback xmlns="">
-      <p:transition advTm="14000"/>
+    <mc:Fallback>
+      <p:transition advTm="14900"/>
     </mc:Fallback>
   </mc:AlternateContent>
   <p:timing>
@@ -5885,12 +5876,12 @@
   <p:clrMapOvr>
     <a:masterClrMapping/>
   </p:clrMapOvr>
-  <mc:AlternateContent xmlns:mc="http://schemas.openxmlformats.org/markup-compatibility/2006" xmlns:p14="http://schemas.microsoft.com/office/powerpoint/2010/main">
-    <mc:Choice Requires="p14">
-      <p:transition p14:dur="10" advTm="14000"/>
+  <mc:AlternateContent xmlns:mc="http://schemas.openxmlformats.org/markup-compatibility/2006">
+    <mc:Choice xmlns:p14="http://schemas.microsoft.com/office/powerpoint/2010/main" Requires="p14">
+      <p:transition p14:dur="10" advTm="14900"/>
     </mc:Choice>
-    <mc:Fallback xmlns="">
-      <p:transition advTm="14000"/>
+    <mc:Fallback>
+      <p:transition advTm="14900"/>
     </mc:Fallback>
   </mc:AlternateContent>
   <p:timing>
@@ -6049,12 +6040,12 @@
   <p:clrMapOvr>
     <a:masterClrMapping/>
   </p:clrMapOvr>
-  <mc:AlternateContent xmlns:mc="http://schemas.openxmlformats.org/markup-compatibility/2006" xmlns:p14="http://schemas.microsoft.com/office/powerpoint/2010/main">
-    <mc:Choice Requires="p14">
-      <p:transition p14:dur="10" advTm="14000"/>
+  <mc:AlternateContent xmlns:mc="http://schemas.openxmlformats.org/markup-compatibility/2006">
+    <mc:Choice xmlns:p14="http://schemas.microsoft.com/office/powerpoint/2010/main" Requires="p14">
+      <p:transition p14:dur="10" advTm="14900"/>
     </mc:Choice>
-    <mc:Fallback xmlns="">
-      <p:transition advTm="14000"/>
+    <mc:Fallback>
+      <p:transition advTm="14900"/>
     </mc:Fallback>
   </mc:AlternateContent>
   <p:timing>
@@ -6213,12 +6204,12 @@
   <p:clrMapOvr>
     <a:masterClrMapping/>
   </p:clrMapOvr>
-  <mc:AlternateContent xmlns:mc="http://schemas.openxmlformats.org/markup-compatibility/2006" xmlns:p14="http://schemas.microsoft.com/office/powerpoint/2010/main">
-    <mc:Choice Requires="p14">
-      <p:transition p14:dur="10" advTm="14000"/>
+  <mc:AlternateContent xmlns:mc="http://schemas.openxmlformats.org/markup-compatibility/2006">
+    <mc:Choice xmlns:p14="http://schemas.microsoft.com/office/powerpoint/2010/main" Requires="p14">
+      <p:transition p14:dur="10" advTm="14900"/>
     </mc:Choice>
-    <mc:Fallback xmlns="">
-      <p:transition advTm="14000"/>
+    <mc:Fallback>
+      <p:transition advTm="14900"/>
     </mc:Fallback>
   </mc:AlternateContent>
   <p:timing>
